--- a/07_Forall/Forall.pptx
+++ b/07_Forall/Forall.pptx
@@ -4532,7 +4532,35 @@
                 <a:latin typeface="Courier New" panose="02070309020205020404" pitchFamily="49" charset="0"/>
                 <a:cs typeface="Courier New" panose="02070309020205020404" pitchFamily="49" charset="0"/>
               </a:rPr>
-              <a:t>#check ∀ (p : P), (∀ q : Q, R)</a:t>
+              <a:t>#</a:t>
+            </a:r>
+            <a:r>
+              <a:rPr lang="en-US" sz="2400">
+                <a:latin typeface="Courier New" panose="02070309020205020404" pitchFamily="49" charset="0"/>
+                <a:cs typeface="Courier New" panose="02070309020205020404" pitchFamily="49" charset="0"/>
+              </a:rPr>
+              <a:t>check ∀(p: </a:t>
+            </a:r>
+            <a:r>
+              <a:rPr lang="en-US" sz="2400" dirty="0">
+                <a:latin typeface="Courier New" panose="02070309020205020404" pitchFamily="49" charset="0"/>
+                <a:cs typeface="Courier New" panose="02070309020205020404" pitchFamily="49" charset="0"/>
+              </a:rPr>
+              <a:t>P), </a:t>
+            </a:r>
+            <a:r>
+              <a:rPr lang="en-US" sz="2400">
+                <a:latin typeface="Courier New" panose="02070309020205020404" pitchFamily="49" charset="0"/>
+                <a:cs typeface="Courier New" panose="02070309020205020404" pitchFamily="49" charset="0"/>
+              </a:rPr>
+              <a:t>(∀(q: Q), </a:t>
+            </a:r>
+            <a:r>
+              <a:rPr lang="en-US" sz="2400" dirty="0">
+                <a:latin typeface="Courier New" panose="02070309020205020404" pitchFamily="49" charset="0"/>
+                <a:cs typeface="Courier New" panose="02070309020205020404" pitchFamily="49" charset="0"/>
+              </a:rPr>
+              <a:t>R)</a:t>
             </a:r>
           </a:p>
           <a:p>
@@ -4590,12 +4618,8 @@
           <a:p>
             <a:pPr lvl="1"/>
             <a:r>
-              <a:rPr lang="en-US"/>
-              <a:t>Fun question: what </a:t>
-            </a:r>
-            <a:r>
               <a:rPr lang="en-US" dirty="0"/>
-              <a:t>does the phrase “you can fool all of the people some of the time and some of the people all of the time” mean?</a:t>
+              <a:t>Fun question: what does the phrase “you can fool all of the people some of the time and some of the people all of the time” mean?</a:t>
             </a:r>
           </a:p>
         </p:txBody>
